--- a/ppt/06-29.pptx
+++ b/ppt/06-29.pptx
@@ -9,6 +9,8 @@
     <p:sldId id="286" r:id="rId3"/>
     <p:sldId id="284" r:id="rId4"/>
     <p:sldId id="285" r:id="rId5"/>
+    <p:sldId id="287" r:id="rId6"/>
+    <p:sldId id="288" r:id="rId7"/>
   </p:sldIdLst>
   <p:sldSz cx="12192000" cy="6858000"/>
   <p:notesSz cx="6858000" cy="9144000"/>
@@ -3619,6 +3621,479 @@
 </p:sld>
 </file>
 
+<file path=ppt/slides/slide5.xml><?xml version="1.0" encoding="utf-8"?>
+<p:sld xmlns:a="http://schemas.openxmlformats.org/drawingml/2006/main" xmlns:r="http://schemas.openxmlformats.org/officeDocument/2006/relationships" xmlns:p="http://schemas.openxmlformats.org/presentationml/2006/main">
+  <p:cSld>
+    <p:spTree>
+      <p:nvGrpSpPr>
+        <p:cNvPr id="1" name=""/>
+        <p:cNvGrpSpPr/>
+        <p:nvPr/>
+      </p:nvGrpSpPr>
+      <p:grpSpPr>
+        <a:xfrm>
+          <a:off x="0" y="0"/>
+          <a:ext cx="0" cy="0"/>
+          <a:chOff x="0" y="0"/>
+          <a:chExt cx="0" cy="0"/>
+        </a:xfrm>
+      </p:grpSpPr>
+      <p:pic>
+        <p:nvPicPr>
+          <p:cNvPr id="5" name="그림 4">
+            <a:extLst>
+              <a:ext uri="{FF2B5EF4-FFF2-40B4-BE49-F238E27FC236}">
+                <a16:creationId xmlns:a16="http://schemas.microsoft.com/office/drawing/2014/main" id="{E6C970B9-4B6F-9C4F-C4F0-98107D640E41}"/>
+              </a:ext>
+            </a:extLst>
+          </p:cNvPr>
+          <p:cNvPicPr>
+            <a:picLocks noChangeAspect="1"/>
+          </p:cNvPicPr>
+          <p:nvPr/>
+        </p:nvPicPr>
+        <p:blipFill>
+          <a:blip r:embed="rId2"/>
+          <a:stretch>
+            <a:fillRect/>
+          </a:stretch>
+        </p:blipFill>
+        <p:spPr>
+          <a:xfrm>
+            <a:off x="6978954" y="1757273"/>
+            <a:ext cx="2152950" cy="1286054"/>
+          </a:xfrm>
+          <a:prstGeom prst="rect">
+            <a:avLst/>
+          </a:prstGeom>
+        </p:spPr>
+      </p:pic>
+      <p:sp>
+        <p:nvSpPr>
+          <p:cNvPr id="6" name="TextBox 5">
+            <a:extLst>
+              <a:ext uri="{FF2B5EF4-FFF2-40B4-BE49-F238E27FC236}">
+                <a16:creationId xmlns:a16="http://schemas.microsoft.com/office/drawing/2014/main" id="{54583FEA-814F-D468-2BEF-400E4D50AEE5}"/>
+              </a:ext>
+            </a:extLst>
+          </p:cNvPr>
+          <p:cNvSpPr txBox="1"/>
+          <p:nvPr/>
+        </p:nvSpPr>
+        <p:spPr>
+          <a:xfrm>
+            <a:off x="6577234" y="3187184"/>
+            <a:ext cx="3134191" cy="369332"/>
+          </a:xfrm>
+          <a:prstGeom prst="rect">
+            <a:avLst/>
+          </a:prstGeom>
+          <a:noFill/>
+        </p:spPr>
+        <p:txBody>
+          <a:bodyPr wrap="none" rtlCol="0">
+            <a:spAutoFit/>
+          </a:bodyPr>
+          <a:lstStyle/>
+          <a:p>
+            <a:r>
+              <a:rPr lang="en-US" altLang="ko-KR" dirty="0"/>
+              <a:t>/image/common/ico24/@2x</a:t>
+            </a:r>
+            <a:endParaRPr lang="ko-KR" altLang="en-US" dirty="0"/>
+          </a:p>
+        </p:txBody>
+      </p:sp>
+      <p:sp>
+        <p:nvSpPr>
+          <p:cNvPr id="7" name="TextBox 6">
+            <a:extLst>
+              <a:ext uri="{FF2B5EF4-FFF2-40B4-BE49-F238E27FC236}">
+                <a16:creationId xmlns:a16="http://schemas.microsoft.com/office/drawing/2014/main" id="{8B491403-9C74-04FE-7EB9-9DE195B2F965}"/>
+              </a:ext>
+            </a:extLst>
+          </p:cNvPr>
+          <p:cNvSpPr txBox="1"/>
+          <p:nvPr/>
+        </p:nvSpPr>
+        <p:spPr>
+          <a:xfrm>
+            <a:off x="299803" y="217357"/>
+            <a:ext cx="1795684" cy="369332"/>
+          </a:xfrm>
+          <a:prstGeom prst="rect">
+            <a:avLst/>
+          </a:prstGeom>
+          <a:noFill/>
+        </p:spPr>
+        <p:txBody>
+          <a:bodyPr wrap="none" rtlCol="0">
+            <a:spAutoFit/>
+          </a:bodyPr>
+          <a:lstStyle/>
+          <a:p>
+            <a:r>
+              <a:rPr lang="en-US" altLang="ko-KR" sz="1800" dirty="0">
+                <a:solidFill>
+                  <a:srgbClr val="000000"/>
+                </a:solidFill>
+                <a:latin typeface="Segoe UI" panose="020B0502040204020203" pitchFamily="34" charset="0"/>
+              </a:rPr>
+              <a:t>UI-SJN-42-103L</a:t>
+            </a:r>
+            <a:endParaRPr lang="ko-KR" altLang="en-US" dirty="0"/>
+          </a:p>
+        </p:txBody>
+      </p:sp>
+      <p:pic>
+        <p:nvPicPr>
+          <p:cNvPr id="9" name="그림 8">
+            <a:extLst>
+              <a:ext uri="{FF2B5EF4-FFF2-40B4-BE49-F238E27FC236}">
+                <a16:creationId xmlns:a16="http://schemas.microsoft.com/office/drawing/2014/main" id="{5CF21985-B11C-E002-EB37-1ACC6643A67A}"/>
+              </a:ext>
+            </a:extLst>
+          </p:cNvPr>
+          <p:cNvPicPr>
+            <a:picLocks noChangeAspect="1"/>
+          </p:cNvPicPr>
+          <p:nvPr/>
+        </p:nvPicPr>
+        <p:blipFill>
+          <a:blip r:embed="rId3"/>
+          <a:stretch>
+            <a:fillRect/>
+          </a:stretch>
+        </p:blipFill>
+        <p:spPr>
+          <a:xfrm>
+            <a:off x="299803" y="1199847"/>
+            <a:ext cx="4143953" cy="2172003"/>
+          </a:xfrm>
+          <a:prstGeom prst="rect">
+            <a:avLst/>
+          </a:prstGeom>
+        </p:spPr>
+      </p:pic>
+      <p:cxnSp>
+        <p:nvCxnSpPr>
+          <p:cNvPr id="11" name="직선 화살표 연결선 10">
+            <a:extLst>
+              <a:ext uri="{FF2B5EF4-FFF2-40B4-BE49-F238E27FC236}">
+                <a16:creationId xmlns:a16="http://schemas.microsoft.com/office/drawing/2014/main" id="{B8519AF8-7ABE-B917-EF30-CE22A80AC0EE}"/>
+              </a:ext>
+            </a:extLst>
+          </p:cNvPr>
+          <p:cNvCxnSpPr/>
+          <p:nvPr/>
+        </p:nvCxnSpPr>
+        <p:spPr>
+          <a:xfrm flipV="1">
+            <a:off x="742951" y="3187184"/>
+            <a:ext cx="0" cy="840921"/>
+          </a:xfrm>
+          <a:prstGeom prst="straightConnector1">
+            <a:avLst/>
+          </a:prstGeom>
+          <a:ln>
+            <a:tailEnd type="triangle"/>
+          </a:ln>
+        </p:spPr>
+        <p:style>
+          <a:lnRef idx="1">
+            <a:schemeClr val="accent1"/>
+          </a:lnRef>
+          <a:fillRef idx="0">
+            <a:schemeClr val="accent1"/>
+          </a:fillRef>
+          <a:effectRef idx="0">
+            <a:schemeClr val="accent1"/>
+          </a:effectRef>
+          <a:fontRef idx="minor">
+            <a:schemeClr val="tx1"/>
+          </a:fontRef>
+        </p:style>
+      </p:cxnSp>
+      <p:sp>
+        <p:nvSpPr>
+          <p:cNvPr id="12" name="TextBox 11">
+            <a:extLst>
+              <a:ext uri="{FF2B5EF4-FFF2-40B4-BE49-F238E27FC236}">
+                <a16:creationId xmlns:a16="http://schemas.microsoft.com/office/drawing/2014/main" id="{BA84E56B-5B96-4492-E60E-2FF066AAB8FE}"/>
+              </a:ext>
+            </a:extLst>
+          </p:cNvPr>
+          <p:cNvSpPr txBox="1"/>
+          <p:nvPr/>
+        </p:nvSpPr>
+        <p:spPr>
+          <a:xfrm>
+            <a:off x="299803" y="4188670"/>
+            <a:ext cx="1963999" cy="369332"/>
+          </a:xfrm>
+          <a:prstGeom prst="rect">
+            <a:avLst/>
+          </a:prstGeom>
+          <a:noFill/>
+        </p:spPr>
+        <p:txBody>
+          <a:bodyPr wrap="none" rtlCol="0">
+            <a:spAutoFit/>
+          </a:bodyPr>
+          <a:lstStyle/>
+          <a:p>
+            <a:r>
+              <a:rPr lang="ko-KR" altLang="en-US" dirty="0"/>
+              <a:t>소통 아이콘 추가</a:t>
+            </a:r>
+          </a:p>
+        </p:txBody>
+      </p:sp>
+    </p:spTree>
+    <p:extLst>
+      <p:ext uri="{BB962C8B-B14F-4D97-AF65-F5344CB8AC3E}">
+        <p14:creationId xmlns:p14="http://schemas.microsoft.com/office/powerpoint/2010/main" val="1740441541"/>
+      </p:ext>
+    </p:extLst>
+  </p:cSld>
+  <p:clrMapOvr>
+    <a:masterClrMapping/>
+  </p:clrMapOvr>
+</p:sld>
+</file>
+
+<file path=ppt/slides/slide6.xml><?xml version="1.0" encoding="utf-8"?>
+<p:sld xmlns:a="http://schemas.openxmlformats.org/drawingml/2006/main" xmlns:r="http://schemas.openxmlformats.org/officeDocument/2006/relationships" xmlns:p="http://schemas.openxmlformats.org/presentationml/2006/main">
+  <p:cSld>
+    <p:spTree>
+      <p:nvGrpSpPr>
+        <p:cNvPr id="1" name=""/>
+        <p:cNvGrpSpPr/>
+        <p:nvPr/>
+      </p:nvGrpSpPr>
+      <p:grpSpPr>
+        <a:xfrm>
+          <a:off x="0" y="0"/>
+          <a:ext cx="0" cy="0"/>
+          <a:chOff x="0" y="0"/>
+          <a:chExt cx="0" cy="0"/>
+        </a:xfrm>
+      </p:grpSpPr>
+      <p:sp>
+        <p:nvSpPr>
+          <p:cNvPr id="7" name="TextBox 6">
+            <a:extLst>
+              <a:ext uri="{FF2B5EF4-FFF2-40B4-BE49-F238E27FC236}">
+                <a16:creationId xmlns:a16="http://schemas.microsoft.com/office/drawing/2014/main" id="{8B491403-9C74-04FE-7EB9-9DE195B2F965}"/>
+              </a:ext>
+            </a:extLst>
+          </p:cNvPr>
+          <p:cNvSpPr txBox="1"/>
+          <p:nvPr/>
+        </p:nvSpPr>
+        <p:spPr>
+          <a:xfrm>
+            <a:off x="299803" y="217357"/>
+            <a:ext cx="1895071" cy="369332"/>
+          </a:xfrm>
+          <a:prstGeom prst="rect">
+            <a:avLst/>
+          </a:prstGeom>
+          <a:noFill/>
+        </p:spPr>
+        <p:txBody>
+          <a:bodyPr wrap="none" rtlCol="0">
+            <a:spAutoFit/>
+          </a:bodyPr>
+          <a:lstStyle/>
+          <a:p>
+            <a:r>
+              <a:rPr lang="en-US" altLang="ko-KR" sz="1800" dirty="0">
+                <a:solidFill>
+                  <a:srgbClr val="000000"/>
+                </a:solidFill>
+                <a:latin typeface="Segoe UI" panose="020B0502040204020203" pitchFamily="34" charset="0"/>
+              </a:rPr>
+              <a:t>UI-SJN-80-001U</a:t>
+            </a:r>
+            <a:endParaRPr lang="ko-KR" altLang="en-US" dirty="0"/>
+          </a:p>
+        </p:txBody>
+      </p:sp>
+      <p:pic>
+        <p:nvPicPr>
+          <p:cNvPr id="3" name="그림 2">
+            <a:extLst>
+              <a:ext uri="{FF2B5EF4-FFF2-40B4-BE49-F238E27FC236}">
+                <a16:creationId xmlns:a16="http://schemas.microsoft.com/office/drawing/2014/main" id="{166E4E39-3FAA-ECAE-C238-3EB3356DAAFA}"/>
+              </a:ext>
+            </a:extLst>
+          </p:cNvPr>
+          <p:cNvPicPr>
+            <a:picLocks noChangeAspect="1"/>
+          </p:cNvPicPr>
+          <p:nvPr/>
+        </p:nvPicPr>
+        <p:blipFill>
+          <a:blip r:embed="rId2"/>
+          <a:stretch>
+            <a:fillRect/>
+          </a:stretch>
+        </p:blipFill>
+        <p:spPr>
+          <a:xfrm>
+            <a:off x="299803" y="1009520"/>
+            <a:ext cx="3478287" cy="1508284"/>
+          </a:xfrm>
+          <a:prstGeom prst="rect">
+            <a:avLst/>
+          </a:prstGeom>
+        </p:spPr>
+      </p:pic>
+      <p:sp>
+        <p:nvSpPr>
+          <p:cNvPr id="10" name="TextBox 9">
+            <a:extLst>
+              <a:ext uri="{FF2B5EF4-FFF2-40B4-BE49-F238E27FC236}">
+                <a16:creationId xmlns:a16="http://schemas.microsoft.com/office/drawing/2014/main" id="{A88834E0-B8B0-5E03-65B7-111C5FE695B4}"/>
+              </a:ext>
+            </a:extLst>
+          </p:cNvPr>
+          <p:cNvSpPr txBox="1"/>
+          <p:nvPr/>
+        </p:nvSpPr>
+        <p:spPr>
+          <a:xfrm>
+            <a:off x="5843353" y="217357"/>
+            <a:ext cx="1895071" cy="369332"/>
+          </a:xfrm>
+          <a:prstGeom prst="rect">
+            <a:avLst/>
+          </a:prstGeom>
+          <a:noFill/>
+        </p:spPr>
+        <p:txBody>
+          <a:bodyPr wrap="none" rtlCol="0">
+            <a:spAutoFit/>
+          </a:bodyPr>
+          <a:lstStyle/>
+          <a:p>
+            <a:r>
+              <a:rPr lang="en-US" altLang="ko-KR" sz="1800" dirty="0">
+                <a:solidFill>
+                  <a:srgbClr val="000000"/>
+                </a:solidFill>
+                <a:latin typeface="Segoe UI" panose="020B0502040204020203" pitchFamily="34" charset="0"/>
+              </a:rPr>
+              <a:t>UI-SJN-01-001U</a:t>
+            </a:r>
+            <a:endParaRPr lang="ko-KR" altLang="en-US" dirty="0"/>
+          </a:p>
+        </p:txBody>
+      </p:sp>
+      <p:pic>
+        <p:nvPicPr>
+          <p:cNvPr id="8" name="그림 7">
+            <a:extLst>
+              <a:ext uri="{FF2B5EF4-FFF2-40B4-BE49-F238E27FC236}">
+                <a16:creationId xmlns:a16="http://schemas.microsoft.com/office/drawing/2014/main" id="{BBF47E80-7481-BA04-DBD7-C9F6F5689D77}"/>
+              </a:ext>
+            </a:extLst>
+          </p:cNvPr>
+          <p:cNvPicPr>
+            <a:picLocks noChangeAspect="1"/>
+          </p:cNvPicPr>
+          <p:nvPr/>
+        </p:nvPicPr>
+        <p:blipFill>
+          <a:blip r:embed="rId3"/>
+          <a:stretch>
+            <a:fillRect/>
+          </a:stretch>
+        </p:blipFill>
+        <p:spPr>
+          <a:xfrm>
+            <a:off x="5818868" y="885749"/>
+            <a:ext cx="3839111" cy="1086002"/>
+          </a:xfrm>
+          <a:prstGeom prst="rect">
+            <a:avLst/>
+          </a:prstGeom>
+        </p:spPr>
+      </p:pic>
+      <p:pic>
+        <p:nvPicPr>
+          <p:cNvPr id="14" name="그림 13">
+            <a:extLst>
+              <a:ext uri="{FF2B5EF4-FFF2-40B4-BE49-F238E27FC236}">
+                <a16:creationId xmlns:a16="http://schemas.microsoft.com/office/drawing/2014/main" id="{C817148A-E52C-306D-1BC2-7D9BA30A40D2}"/>
+              </a:ext>
+            </a:extLst>
+          </p:cNvPr>
+          <p:cNvPicPr>
+            <a:picLocks noChangeAspect="1"/>
+          </p:cNvPicPr>
+          <p:nvPr/>
+        </p:nvPicPr>
+        <p:blipFill>
+          <a:blip r:embed="rId4"/>
+          <a:stretch>
+            <a:fillRect/>
+          </a:stretch>
+        </p:blipFill>
+        <p:spPr>
+          <a:xfrm>
+            <a:off x="6096000" y="2202773"/>
+            <a:ext cx="2465655" cy="2083478"/>
+          </a:xfrm>
+          <a:prstGeom prst="rect">
+            <a:avLst/>
+          </a:prstGeom>
+        </p:spPr>
+      </p:pic>
+      <p:pic>
+        <p:nvPicPr>
+          <p:cNvPr id="16" name="그림 15">
+            <a:extLst>
+              <a:ext uri="{FF2B5EF4-FFF2-40B4-BE49-F238E27FC236}">
+                <a16:creationId xmlns:a16="http://schemas.microsoft.com/office/drawing/2014/main" id="{E6E856BD-2C89-D851-E2A1-8A62D20E3519}"/>
+              </a:ext>
+            </a:extLst>
+          </p:cNvPr>
+          <p:cNvPicPr>
+            <a:picLocks noChangeAspect="1"/>
+          </p:cNvPicPr>
+          <p:nvPr/>
+        </p:nvPicPr>
+        <p:blipFill>
+          <a:blip r:embed="rId5"/>
+          <a:stretch>
+            <a:fillRect/>
+          </a:stretch>
+        </p:blipFill>
+        <p:spPr>
+          <a:xfrm>
+            <a:off x="5801220" y="4686197"/>
+            <a:ext cx="5753903" cy="200053"/>
+          </a:xfrm>
+          <a:prstGeom prst="rect">
+            <a:avLst/>
+          </a:prstGeom>
+        </p:spPr>
+      </p:pic>
+    </p:spTree>
+    <p:extLst>
+      <p:ext uri="{BB962C8B-B14F-4D97-AF65-F5344CB8AC3E}">
+        <p14:creationId xmlns:p14="http://schemas.microsoft.com/office/powerpoint/2010/main" val="2091630939"/>
+      </p:ext>
+    </p:extLst>
+  </p:cSld>
+  <p:clrMapOvr>
+    <a:masterClrMapping/>
+  </p:clrMapOvr>
+</p:sld>
+</file>
+
 <file path=ppt/theme/theme1.xml><?xml version="1.0" encoding="utf-8"?>
 <a:theme xmlns:a="http://schemas.openxmlformats.org/drawingml/2006/main" name="Office 테마">
   <a:themeElements>

--- a/ppt/06-29.pptx
+++ b/ppt/06-29.pptx
@@ -3223,7 +3223,7 @@
         </p:blipFill>
         <p:spPr>
           <a:xfrm>
-            <a:off x="7688067" y="1265378"/>
+            <a:off x="6322472" y="1289871"/>
             <a:ext cx="1787932" cy="3994058"/>
           </a:xfrm>
           <a:prstGeom prst="rect">
@@ -3397,6 +3397,109 @@
             <a:r>
               <a:rPr lang="ko-KR" altLang="en-US" sz="1400" dirty="0"/>
               <a:t>스크립트로 처리해주세요</a:t>
+            </a:r>
+            <a:r>
+              <a:rPr lang="en-US" altLang="ko-KR" sz="1400" dirty="0"/>
+              <a:t>.</a:t>
+            </a:r>
+            <a:endParaRPr lang="ko-KR" altLang="en-US" sz="1400" dirty="0"/>
+          </a:p>
+        </p:txBody>
+      </p:sp>
+      <p:pic>
+        <p:nvPicPr>
+          <p:cNvPr id="5" name="그림 4">
+            <a:extLst>
+              <a:ext uri="{FF2B5EF4-FFF2-40B4-BE49-F238E27FC236}">
+                <a16:creationId xmlns:a16="http://schemas.microsoft.com/office/drawing/2014/main" id="{5974D875-AA28-81CE-318B-E737B59BEBA6}"/>
+              </a:ext>
+            </a:extLst>
+          </p:cNvPr>
+          <p:cNvPicPr>
+            <a:picLocks noChangeAspect="1"/>
+          </p:cNvPicPr>
+          <p:nvPr/>
+        </p:nvPicPr>
+        <p:blipFill>
+          <a:blip r:embed="rId5"/>
+          <a:stretch>
+            <a:fillRect/>
+          </a:stretch>
+        </p:blipFill>
+        <p:spPr>
+          <a:xfrm>
+            <a:off x="8625415" y="1574071"/>
+            <a:ext cx="2191056" cy="981212"/>
+          </a:xfrm>
+          <a:prstGeom prst="rect">
+            <a:avLst/>
+          </a:prstGeom>
+        </p:spPr>
+      </p:pic>
+      <p:sp>
+        <p:nvSpPr>
+          <p:cNvPr id="11" name="TextBox 10">
+            <a:extLst>
+              <a:ext uri="{FF2B5EF4-FFF2-40B4-BE49-F238E27FC236}">
+                <a16:creationId xmlns:a16="http://schemas.microsoft.com/office/drawing/2014/main" id="{88A46E1C-2D94-0630-4521-665ACDF398D9}"/>
+              </a:ext>
+            </a:extLst>
+          </p:cNvPr>
+          <p:cNvSpPr txBox="1"/>
+          <p:nvPr/>
+        </p:nvSpPr>
+        <p:spPr>
+          <a:xfrm>
+            <a:off x="8465520" y="2743428"/>
+            <a:ext cx="3033266" cy="738664"/>
+          </a:xfrm>
+          <a:prstGeom prst="rect">
+            <a:avLst/>
+          </a:prstGeom>
+          <a:noFill/>
+        </p:spPr>
+        <p:txBody>
+          <a:bodyPr wrap="none" rtlCol="0">
+            <a:spAutoFit/>
+          </a:bodyPr>
+          <a:lstStyle/>
+          <a:p>
+            <a:r>
+              <a:rPr lang="en-US" altLang="ko-KR" sz="1400" dirty="0"/>
+              <a:t>200px * 76px</a:t>
+            </a:r>
+            <a:r>
+              <a:rPr lang="ko-KR" altLang="en-US" sz="1400" dirty="0"/>
+              <a:t> 입니다</a:t>
+            </a:r>
+            <a:r>
+              <a:rPr lang="en-US" altLang="ko-KR" sz="1400" dirty="0"/>
+              <a:t>. (</a:t>
+            </a:r>
+            <a:r>
+              <a:rPr lang="ko-KR" altLang="en-US" sz="1400" dirty="0"/>
+              <a:t>꼭지점 포함</a:t>
+            </a:r>
+            <a:r>
+              <a:rPr lang="en-US" altLang="ko-KR" sz="1400" dirty="0"/>
+              <a:t>)</a:t>
+            </a:r>
+          </a:p>
+          <a:p>
+            <a:endParaRPr lang="en-US" altLang="ko-KR" sz="1400" dirty="0"/>
+          </a:p>
+          <a:p>
+            <a:r>
+              <a:rPr lang="ko-KR" altLang="en-US" sz="1400" dirty="0"/>
+              <a:t>꼭지점 왼쪽에서 </a:t>
+            </a:r>
+            <a:r>
+              <a:rPr lang="en-US" altLang="ko-KR" sz="1400" dirty="0"/>
+              <a:t>40px </a:t>
+            </a:r>
+            <a:r>
+              <a:rPr lang="ko-KR" altLang="en-US" sz="1400" dirty="0"/>
+              <a:t>입니다</a:t>
             </a:r>
             <a:r>
               <a:rPr lang="en-US" altLang="ko-KR" sz="1400" dirty="0"/>
